--- a/Programmation structurée/Partie 2- Langage C/Groupe 3/A2 - Lecture et choix des tuteurs/Imane Haj Aissa.pptx
+++ b/Programmation structurée/Partie 2- Langage C/Groupe 3/A2 - Lecture et choix des tuteurs/Imane Haj Aissa.pptx
@@ -10,6 +10,9 @@
     <p:sldId id="258" r:id="rId4"/>
     <p:sldId id="260" r:id="rId5"/>
     <p:sldId id="261" r:id="rId6"/>
+    <p:sldId id="263" r:id="rId7"/>
+    <p:sldId id="264" r:id="rId8"/>
+    <p:sldId id="265" r:id="rId9"/>
   </p:sldIdLst>
   <p:sldSz cx="12192000" cy="6858000"/>
   <p:notesSz cx="6858000" cy="9144000"/>
@@ -834,7 +837,7 @@
             <a:fld id="{C5B7ECA6-BA56-46EC-BA8C-FAFF986C36E8}" type="datetimeFigureOut">
               <a:rPr lang="fr-FR" smtClean="0"/>
               <a:pPr/>
-              <a:t>30/09/2019</a:t>
+              <a:t>03/10/2019</a:t>
             </a:fld>
             <a:endParaRPr lang="fr-FR"/>
           </a:p>
@@ -886,7 +889,7 @@
     </p:spTree>
     <p:extLst>
       <p:ext uri="{BB962C8B-B14F-4D97-AF65-F5344CB8AC3E}">
-        <p14:creationId xmlns:p14="http://schemas.microsoft.com/office/powerpoint/2010/main" xmlns="" val="1694034624"/>
+        <p14:creationId xmlns="" xmlns:p14="http://schemas.microsoft.com/office/powerpoint/2010/main" val="1694034624"/>
       </p:ext>
     </p:extLst>
   </p:cSld>
@@ -1087,7 +1090,7 @@
             <a:fld id="{C5B7ECA6-BA56-46EC-BA8C-FAFF986C36E8}" type="datetimeFigureOut">
               <a:rPr lang="fr-FR" smtClean="0"/>
               <a:pPr/>
-              <a:t>30/09/2019</a:t>
+              <a:t>03/10/2019</a:t>
             </a:fld>
             <a:endParaRPr lang="fr-FR"/>
           </a:p>
@@ -1139,7 +1142,7 @@
     </p:spTree>
     <p:extLst>
       <p:ext uri="{BB962C8B-B14F-4D97-AF65-F5344CB8AC3E}">
-        <p14:creationId xmlns:p14="http://schemas.microsoft.com/office/powerpoint/2010/main" xmlns="" val="2773928121"/>
+        <p14:creationId xmlns="" xmlns:p14="http://schemas.microsoft.com/office/powerpoint/2010/main" val="2773928121"/>
       </p:ext>
     </p:extLst>
   </p:cSld>
@@ -1403,7 +1406,7 @@
             <a:fld id="{C5B7ECA6-BA56-46EC-BA8C-FAFF986C36E8}" type="datetimeFigureOut">
               <a:rPr lang="fr-FR" smtClean="0"/>
               <a:pPr/>
-              <a:t>30/09/2019</a:t>
+              <a:t>03/10/2019</a:t>
             </a:fld>
             <a:endParaRPr lang="fr-FR"/>
           </a:p>
@@ -1545,7 +1548,7 @@
     </p:spTree>
     <p:extLst>
       <p:ext uri="{BB962C8B-B14F-4D97-AF65-F5344CB8AC3E}">
-        <p14:creationId xmlns:p14="http://schemas.microsoft.com/office/powerpoint/2010/main" xmlns="" val="1730614180"/>
+        <p14:creationId xmlns="" xmlns:p14="http://schemas.microsoft.com/office/powerpoint/2010/main" val="1730614180"/>
       </p:ext>
     </p:extLst>
   </p:cSld>
@@ -1746,7 +1749,7 @@
             <a:fld id="{C5B7ECA6-BA56-46EC-BA8C-FAFF986C36E8}" type="datetimeFigureOut">
               <a:rPr lang="fr-FR" smtClean="0"/>
               <a:pPr/>
-              <a:t>30/09/2019</a:t>
+              <a:t>03/10/2019</a:t>
             </a:fld>
             <a:endParaRPr lang="fr-FR"/>
           </a:p>
@@ -1798,7 +1801,7 @@
     </p:spTree>
     <p:extLst>
       <p:ext uri="{BB962C8B-B14F-4D97-AF65-F5344CB8AC3E}">
-        <p14:creationId xmlns:p14="http://schemas.microsoft.com/office/powerpoint/2010/main" xmlns="" val="4027271032"/>
+        <p14:creationId xmlns="" xmlns:p14="http://schemas.microsoft.com/office/powerpoint/2010/main" val="4027271032"/>
       </p:ext>
     </p:extLst>
   </p:cSld>
@@ -2062,7 +2065,7 @@
             <a:fld id="{C5B7ECA6-BA56-46EC-BA8C-FAFF986C36E8}" type="datetimeFigureOut">
               <a:rPr lang="fr-FR" smtClean="0"/>
               <a:pPr/>
-              <a:t>30/09/2019</a:t>
+              <a:t>03/10/2019</a:t>
             </a:fld>
             <a:endParaRPr lang="fr-FR"/>
           </a:p>
@@ -2196,7 +2199,7 @@
     </p:spTree>
     <p:extLst>
       <p:ext uri="{BB962C8B-B14F-4D97-AF65-F5344CB8AC3E}">
-        <p14:creationId xmlns:p14="http://schemas.microsoft.com/office/powerpoint/2010/main" xmlns="" val="2022920283"/>
+        <p14:creationId xmlns="" xmlns:p14="http://schemas.microsoft.com/office/powerpoint/2010/main" val="2022920283"/>
       </p:ext>
     </p:extLst>
   </p:cSld>
@@ -2457,7 +2460,7 @@
             <a:fld id="{C5B7ECA6-BA56-46EC-BA8C-FAFF986C36E8}" type="datetimeFigureOut">
               <a:rPr lang="fr-FR" smtClean="0"/>
               <a:pPr/>
-              <a:t>30/09/2019</a:t>
+              <a:t>03/10/2019</a:t>
             </a:fld>
             <a:endParaRPr lang="fr-FR"/>
           </a:p>
@@ -2509,7 +2512,7 @@
     </p:spTree>
     <p:extLst>
       <p:ext uri="{BB962C8B-B14F-4D97-AF65-F5344CB8AC3E}">
-        <p14:creationId xmlns:p14="http://schemas.microsoft.com/office/powerpoint/2010/main" xmlns="" val="2179661826"/>
+        <p14:creationId xmlns="" xmlns:p14="http://schemas.microsoft.com/office/powerpoint/2010/main" val="2179661826"/>
       </p:ext>
     </p:extLst>
   </p:cSld>
@@ -2629,7 +2632,7 @@
             <a:fld id="{C5B7ECA6-BA56-46EC-BA8C-FAFF986C36E8}" type="datetimeFigureOut">
               <a:rPr lang="fr-FR" smtClean="0"/>
               <a:pPr/>
-              <a:t>30/09/2019</a:t>
+              <a:t>03/10/2019</a:t>
             </a:fld>
             <a:endParaRPr lang="fr-FR"/>
           </a:p>
@@ -2681,7 +2684,7 @@
     </p:spTree>
     <p:extLst>
       <p:ext uri="{BB962C8B-B14F-4D97-AF65-F5344CB8AC3E}">
-        <p14:creationId xmlns:p14="http://schemas.microsoft.com/office/powerpoint/2010/main" xmlns="" val="192641036"/>
+        <p14:creationId xmlns="" xmlns:p14="http://schemas.microsoft.com/office/powerpoint/2010/main" val="192641036"/>
       </p:ext>
     </p:extLst>
   </p:cSld>
@@ -2811,7 +2814,7 @@
             <a:fld id="{C5B7ECA6-BA56-46EC-BA8C-FAFF986C36E8}" type="datetimeFigureOut">
               <a:rPr lang="fr-FR" smtClean="0"/>
               <a:pPr/>
-              <a:t>30/09/2019</a:t>
+              <a:t>03/10/2019</a:t>
             </a:fld>
             <a:endParaRPr lang="fr-FR"/>
           </a:p>
@@ -2863,7 +2866,7 @@
     </p:spTree>
     <p:extLst>
       <p:ext uri="{BB962C8B-B14F-4D97-AF65-F5344CB8AC3E}">
-        <p14:creationId xmlns:p14="http://schemas.microsoft.com/office/powerpoint/2010/main" xmlns="" val="2739707406"/>
+        <p14:creationId xmlns="" xmlns:p14="http://schemas.microsoft.com/office/powerpoint/2010/main" val="2739707406"/>
       </p:ext>
     </p:extLst>
   </p:cSld>
@@ -2989,7 +2992,7 @@
             <a:fld id="{C5B7ECA6-BA56-46EC-BA8C-FAFF986C36E8}" type="datetimeFigureOut">
               <a:rPr lang="fr-FR" smtClean="0"/>
               <a:pPr/>
-              <a:t>30/09/2019</a:t>
+              <a:t>03/10/2019</a:t>
             </a:fld>
             <a:endParaRPr lang="fr-FR"/>
           </a:p>
@@ -3041,7 +3044,7 @@
     </p:spTree>
     <p:extLst>
       <p:ext uri="{BB962C8B-B14F-4D97-AF65-F5344CB8AC3E}">
-        <p14:creationId xmlns:p14="http://schemas.microsoft.com/office/powerpoint/2010/main" xmlns="" val="3911556706"/>
+        <p14:creationId xmlns="" xmlns:p14="http://schemas.microsoft.com/office/powerpoint/2010/main" val="3911556706"/>
       </p:ext>
     </p:extLst>
   </p:cSld>
@@ -3238,7 +3241,7 @@
             <a:fld id="{C5B7ECA6-BA56-46EC-BA8C-FAFF986C36E8}" type="datetimeFigureOut">
               <a:rPr lang="fr-FR" smtClean="0"/>
               <a:pPr/>
-              <a:t>30/09/2019</a:t>
+              <a:t>03/10/2019</a:t>
             </a:fld>
             <a:endParaRPr lang="fr-FR"/>
           </a:p>
@@ -3290,7 +3293,7 @@
     </p:spTree>
     <p:extLst>
       <p:ext uri="{BB962C8B-B14F-4D97-AF65-F5344CB8AC3E}">
-        <p14:creationId xmlns:p14="http://schemas.microsoft.com/office/powerpoint/2010/main" xmlns="" val="309417389"/>
+        <p14:creationId xmlns="" xmlns:p14="http://schemas.microsoft.com/office/powerpoint/2010/main" val="309417389"/>
       </p:ext>
     </p:extLst>
   </p:cSld>
@@ -3472,7 +3475,7 @@
             <a:fld id="{C5B7ECA6-BA56-46EC-BA8C-FAFF986C36E8}" type="datetimeFigureOut">
               <a:rPr lang="fr-FR" smtClean="0"/>
               <a:pPr/>
-              <a:t>30/09/2019</a:t>
+              <a:t>03/10/2019</a:t>
             </a:fld>
             <a:endParaRPr lang="fr-FR"/>
           </a:p>
@@ -3524,7 +3527,7 @@
     </p:spTree>
     <p:extLst>
       <p:ext uri="{BB962C8B-B14F-4D97-AF65-F5344CB8AC3E}">
-        <p14:creationId xmlns:p14="http://schemas.microsoft.com/office/powerpoint/2010/main" xmlns="" val="3988759948"/>
+        <p14:creationId xmlns="" xmlns:p14="http://schemas.microsoft.com/office/powerpoint/2010/main" val="3988759948"/>
       </p:ext>
     </p:extLst>
   </p:cSld>
@@ -3848,7 +3851,7 @@
             <a:fld id="{C5B7ECA6-BA56-46EC-BA8C-FAFF986C36E8}" type="datetimeFigureOut">
               <a:rPr lang="fr-FR" smtClean="0"/>
               <a:pPr/>
-              <a:t>30/09/2019</a:t>
+              <a:t>03/10/2019</a:t>
             </a:fld>
             <a:endParaRPr lang="fr-FR"/>
           </a:p>
@@ -3900,7 +3903,7 @@
     </p:spTree>
     <p:extLst>
       <p:ext uri="{BB962C8B-B14F-4D97-AF65-F5344CB8AC3E}">
-        <p14:creationId xmlns:p14="http://schemas.microsoft.com/office/powerpoint/2010/main" xmlns="" val="263205227"/>
+        <p14:creationId xmlns="" xmlns:p14="http://schemas.microsoft.com/office/powerpoint/2010/main" val="263205227"/>
       </p:ext>
     </p:extLst>
   </p:cSld>
@@ -3973,7 +3976,7 @@
             <a:fld id="{C5B7ECA6-BA56-46EC-BA8C-FAFF986C36E8}" type="datetimeFigureOut">
               <a:rPr lang="fr-FR" smtClean="0"/>
               <a:pPr/>
-              <a:t>30/09/2019</a:t>
+              <a:t>03/10/2019</a:t>
             </a:fld>
             <a:endParaRPr lang="fr-FR"/>
           </a:p>
@@ -4025,7 +4028,7 @@
     </p:spTree>
     <p:extLst>
       <p:ext uri="{BB962C8B-B14F-4D97-AF65-F5344CB8AC3E}">
-        <p14:creationId xmlns:p14="http://schemas.microsoft.com/office/powerpoint/2010/main" xmlns="" val="4037757236"/>
+        <p14:creationId xmlns="" xmlns:p14="http://schemas.microsoft.com/office/powerpoint/2010/main" val="4037757236"/>
       </p:ext>
     </p:extLst>
   </p:cSld>
@@ -4070,7 +4073,7 @@
             <a:fld id="{C5B7ECA6-BA56-46EC-BA8C-FAFF986C36E8}" type="datetimeFigureOut">
               <a:rPr lang="fr-FR" smtClean="0"/>
               <a:pPr/>
-              <a:t>30/09/2019</a:t>
+              <a:t>03/10/2019</a:t>
             </a:fld>
             <a:endParaRPr lang="fr-FR"/>
           </a:p>
@@ -4122,7 +4125,7 @@
     </p:spTree>
     <p:extLst>
       <p:ext uri="{BB962C8B-B14F-4D97-AF65-F5344CB8AC3E}">
-        <p14:creationId xmlns:p14="http://schemas.microsoft.com/office/powerpoint/2010/main" xmlns="" val="1705636017"/>
+        <p14:creationId xmlns="" xmlns:p14="http://schemas.microsoft.com/office/powerpoint/2010/main" val="1705636017"/>
       </p:ext>
     </p:extLst>
   </p:cSld>
@@ -4327,7 +4330,7 @@
             <a:fld id="{C5B7ECA6-BA56-46EC-BA8C-FAFF986C36E8}" type="datetimeFigureOut">
               <a:rPr lang="fr-FR" smtClean="0"/>
               <a:pPr/>
-              <a:t>30/09/2019</a:t>
+              <a:t>03/10/2019</a:t>
             </a:fld>
             <a:endParaRPr lang="fr-FR"/>
           </a:p>
@@ -4379,7 +4382,7 @@
     </p:spTree>
     <p:extLst>
       <p:ext uri="{BB962C8B-B14F-4D97-AF65-F5344CB8AC3E}">
-        <p14:creationId xmlns:p14="http://schemas.microsoft.com/office/powerpoint/2010/main" xmlns="" val="1831365073"/>
+        <p14:creationId xmlns="" xmlns:p14="http://schemas.microsoft.com/office/powerpoint/2010/main" val="1831365073"/>
       </p:ext>
     </p:extLst>
   </p:cSld>
@@ -4592,7 +4595,7 @@
             <a:fld id="{C5B7ECA6-BA56-46EC-BA8C-FAFF986C36E8}" type="datetimeFigureOut">
               <a:rPr lang="fr-FR" smtClean="0"/>
               <a:pPr/>
-              <a:t>30/09/2019</a:t>
+              <a:t>03/10/2019</a:t>
             </a:fld>
             <a:endParaRPr lang="fr-FR"/>
           </a:p>
@@ -4644,7 +4647,7 @@
     </p:spTree>
     <p:extLst>
       <p:ext uri="{BB962C8B-B14F-4D97-AF65-F5344CB8AC3E}">
-        <p14:creationId xmlns:p14="http://schemas.microsoft.com/office/powerpoint/2010/main" xmlns="" val="2584131591"/>
+        <p14:creationId xmlns="" xmlns:p14="http://schemas.microsoft.com/office/powerpoint/2010/main" val="2584131591"/>
       </p:ext>
     </p:extLst>
   </p:cSld>
@@ -5337,7 +5340,7 @@
             <a:fld id="{C5B7ECA6-BA56-46EC-BA8C-FAFF986C36E8}" type="datetimeFigureOut">
               <a:rPr lang="fr-FR" smtClean="0"/>
               <a:pPr/>
-              <a:t>30/09/2019</a:t>
+              <a:t>03/10/2019</a:t>
             </a:fld>
             <a:endParaRPr lang="fr-FR"/>
           </a:p>
@@ -5423,7 +5426,7 @@
     </p:spTree>
     <p:extLst>
       <p:ext uri="{BB962C8B-B14F-4D97-AF65-F5344CB8AC3E}">
-        <p14:creationId xmlns:p14="http://schemas.microsoft.com/office/powerpoint/2010/main" xmlns="" val="448089468"/>
+        <p14:creationId xmlns="" xmlns:p14="http://schemas.microsoft.com/office/powerpoint/2010/main" val="448089468"/>
       </p:ext>
     </p:extLst>
   </p:cSld>
@@ -5867,7 +5870,7 @@
           <p:cNvPr id="2" name="Titre 1">
             <a:extLst>
               <a:ext uri="{FF2B5EF4-FFF2-40B4-BE49-F238E27FC236}">
-                <a16:creationId xmlns:a16="http://schemas.microsoft.com/office/drawing/2014/main" xmlns="" id="{9050BD1F-C3DE-42E7-931F-A697B15580CA}"/>
+                <a16:creationId xmlns="" xmlns:a16="http://schemas.microsoft.com/office/drawing/2014/main" id="{9050BD1F-C3DE-42E7-931F-A697B15580CA}"/>
               </a:ext>
             </a:extLst>
           </p:cNvPr>
@@ -5903,7 +5906,7 @@
           <p:cNvPr id="3" name="Espace réservé du contenu 2">
             <a:extLst>
               <a:ext uri="{FF2B5EF4-FFF2-40B4-BE49-F238E27FC236}">
-                <a16:creationId xmlns:a16="http://schemas.microsoft.com/office/drawing/2014/main" xmlns="" id="{4B298072-68EB-4003-B6FE-06440FA722D7}"/>
+                <a16:creationId xmlns="" xmlns:a16="http://schemas.microsoft.com/office/drawing/2014/main" id="{4B298072-68EB-4003-B6FE-06440FA722D7}"/>
               </a:ext>
             </a:extLst>
           </p:cNvPr>
@@ -5958,7 +5961,7 @@
     </p:spTree>
     <p:extLst>
       <p:ext uri="{BB962C8B-B14F-4D97-AF65-F5344CB8AC3E}">
-        <p14:creationId xmlns:p14="http://schemas.microsoft.com/office/powerpoint/2010/main" xmlns="" val="2019634195"/>
+        <p14:creationId xmlns="" xmlns:p14="http://schemas.microsoft.com/office/powerpoint/2010/main" val="2019634195"/>
       </p:ext>
     </p:extLst>
   </p:cSld>
@@ -5990,7 +5993,7 @@
           <p:cNvPr id="2" name="Titre 1">
             <a:extLst>
               <a:ext uri="{FF2B5EF4-FFF2-40B4-BE49-F238E27FC236}">
-                <a16:creationId xmlns:a16="http://schemas.microsoft.com/office/drawing/2014/main" xmlns="" id="{23A071AB-8EA9-44AC-8031-48EF5233F1B2}"/>
+                <a16:creationId xmlns="" xmlns:a16="http://schemas.microsoft.com/office/drawing/2014/main" id="{23A071AB-8EA9-44AC-8031-48EF5233F1B2}"/>
               </a:ext>
             </a:extLst>
           </p:cNvPr>
@@ -6021,7 +6024,7 @@
           <p:cNvPr id="3" name="Espace réservé du contenu 2">
             <a:extLst>
               <a:ext uri="{FF2B5EF4-FFF2-40B4-BE49-F238E27FC236}">
-                <a16:creationId xmlns:a16="http://schemas.microsoft.com/office/drawing/2014/main" xmlns="" id="{193FB1B8-E354-40E1-9EEF-87F5D1A48B55}"/>
+                <a16:creationId xmlns="" xmlns:a16="http://schemas.microsoft.com/office/drawing/2014/main" id="{193FB1B8-E354-40E1-9EEF-87F5D1A48B55}"/>
               </a:ext>
             </a:extLst>
           </p:cNvPr>
@@ -6071,11 +6074,7 @@
             </a:r>
             <a:r>
               <a:rPr lang="fr-FR" sz="4000" dirty="0" smtClean="0"/>
-              <a:t> un problème en plusieurs sous-tâches, et de programmer ces sous-tâches comme des blocs indépendants. C'est le concept de la programmation modulaire qui utilise des sous-programmes</a:t>
-            </a:r>
-            <a:r>
-              <a:rPr lang="fr-FR" sz="4000" dirty="0" smtClean="0"/>
-              <a:t>.</a:t>
+              <a:t> un problème en plusieurs sous-tâches, et de programmer ces sous-tâches comme des blocs indépendants. C'est le concept de la programmation modulaire qui utilise des sous-programmes.</a:t>
             </a:r>
             <a:endParaRPr lang="en-US" sz="4000" dirty="0" smtClean="0"/>
           </a:p>
@@ -6099,7 +6098,7 @@
     </p:spTree>
     <p:extLst>
       <p:ext uri="{BB962C8B-B14F-4D97-AF65-F5344CB8AC3E}">
-        <p14:creationId xmlns:p14="http://schemas.microsoft.com/office/powerpoint/2010/main" xmlns="" val="3299683308"/>
+        <p14:creationId xmlns="" xmlns:p14="http://schemas.microsoft.com/office/powerpoint/2010/main" val="3299683308"/>
       </p:ext>
     </p:extLst>
   </p:cSld>
@@ -6131,7 +6130,7 @@
           <p:cNvPr id="2" name="Titre 1">
             <a:extLst>
               <a:ext uri="{FF2B5EF4-FFF2-40B4-BE49-F238E27FC236}">
-                <a16:creationId xmlns:a16="http://schemas.microsoft.com/office/drawing/2014/main" xmlns="" id="{D332E9BB-3AE9-4EC6-92CA-DCB7BE4F9EA8}"/>
+                <a16:creationId xmlns="" xmlns:a16="http://schemas.microsoft.com/office/drawing/2014/main" id="{D332E9BB-3AE9-4EC6-92CA-DCB7BE4F9EA8}"/>
               </a:ext>
             </a:extLst>
           </p:cNvPr>
@@ -6160,7 +6159,7 @@
           <p:cNvPr id="3" name="Espace réservé du contenu 2">
             <a:extLst>
               <a:ext uri="{FF2B5EF4-FFF2-40B4-BE49-F238E27FC236}">
-                <a16:creationId xmlns:a16="http://schemas.microsoft.com/office/drawing/2014/main" xmlns="" id="{76CEB131-98C5-4085-B084-9361A783B2A9}"/>
+                <a16:creationId xmlns="" xmlns:a16="http://schemas.microsoft.com/office/drawing/2014/main" id="{76CEB131-98C5-4085-B084-9361A783B2A9}"/>
               </a:ext>
             </a:extLst>
           </p:cNvPr>
@@ -6256,7 +6255,7 @@
     </p:spTree>
     <p:extLst>
       <p:ext uri="{BB962C8B-B14F-4D97-AF65-F5344CB8AC3E}">
-        <p14:creationId xmlns:p14="http://schemas.microsoft.com/office/powerpoint/2010/main" xmlns="" val="2148951517"/>
+        <p14:creationId xmlns="" xmlns:p14="http://schemas.microsoft.com/office/powerpoint/2010/main" val="2148951517"/>
       </p:ext>
     </p:extLst>
   </p:cSld>
@@ -6335,15 +6334,7 @@
           <a:p>
             <a:r>
               <a:rPr lang="fr-FR" dirty="0" smtClean="0"/>
-              <a:t>S</a:t>
-            </a:r>
-            <a:r>
-              <a:rPr lang="fr-FR" dirty="0" smtClean="0"/>
-              <a:t>i </a:t>
-            </a:r>
-            <a:r>
-              <a:rPr lang="fr-FR" dirty="0" smtClean="0"/>
-              <a:t>l'on déclare une fonction </a:t>
+              <a:t>Si l'on déclare une fonction </a:t>
             </a:r>
             <a:r>
               <a:rPr lang="fr-FR" sz="2400" b="1" u="sng" dirty="0" smtClean="0">
@@ -6358,11 +6349,7 @@
             </a:r>
             <a:r>
               <a:rPr lang="fr-FR" dirty="0" smtClean="0"/>
-              <a:t>, c'est une déclaration implicite</a:t>
-            </a:r>
-            <a:r>
-              <a:rPr lang="fr-FR" dirty="0" smtClean="0"/>
-              <a:t>.</a:t>
+              <a:t>, c'est une déclaration implicite.</a:t>
             </a:r>
           </a:p>
           <a:p>
@@ -6548,6 +6535,234 @@
           </a:p>
         </p:txBody>
       </p:sp>
+    </p:spTree>
+  </p:cSld>
+  <p:clrMapOvr>
+    <a:masterClrMapping/>
+  </p:clrMapOvr>
+</p:sld>
+</file>
+
+<file path=ppt/slides/slide6.xml><?xml version="1.0" encoding="utf-8"?>
+<p:sld xmlns:a="http://schemas.openxmlformats.org/drawingml/2006/main" xmlns:r="http://schemas.openxmlformats.org/officeDocument/2006/relationships" xmlns:p="http://schemas.openxmlformats.org/presentationml/2006/main">
+  <p:cSld>
+    <p:spTree>
+      <p:nvGrpSpPr>
+        <p:cNvPr id="1" name=""/>
+        <p:cNvGrpSpPr/>
+        <p:nvPr/>
+      </p:nvGrpSpPr>
+      <p:grpSpPr>
+        <a:xfrm>
+          <a:off x="0" y="0"/>
+          <a:ext cx="0" cy="0"/>
+          <a:chOff x="0" y="0"/>
+          <a:chExt cx="0" cy="0"/>
+        </a:xfrm>
+      </p:grpSpPr>
+      <p:sp>
+        <p:nvSpPr>
+          <p:cNvPr id="2" name="Titre 1"/>
+          <p:cNvSpPr>
+            <a:spLocks noGrp="1"/>
+          </p:cNvSpPr>
+          <p:nvPr>
+            <p:ph type="title"/>
+          </p:nvPr>
+        </p:nvSpPr>
+        <p:spPr/>
+        <p:txBody>
+          <a:bodyPr/>
+          <a:lstStyle/>
+          <a:p>
+            <a:r>
+              <a:rPr lang="fr-FR" dirty="0" smtClean="0"/>
+              <a:t>Fonction sans  return et avec </a:t>
+            </a:r>
+            <a:r>
+              <a:rPr lang="fr-FR" smtClean="0"/>
+              <a:t>paramétre</a:t>
+            </a:r>
+            <a:endParaRPr lang="fr-FR"/>
+          </a:p>
+        </p:txBody>
+      </p:sp>
+      <p:pic>
+        <p:nvPicPr>
+          <p:cNvPr id="4" name="Espace réservé du contenu 3"/>
+          <p:cNvPicPr>
+            <a:picLocks noGrp="1" noChangeAspect="1"/>
+          </p:cNvPicPr>
+          <p:nvPr>
+            <p:ph idx="1"/>
+          </p:nvPr>
+        </p:nvPicPr>
+        <p:blipFill>
+          <a:blip r:embed="rId2">
+            <a:extLst>
+              <a:ext uri="{28A0092B-C50C-407E-A947-70E740481C1C}">
+                <a14:useLocalDpi xmlns="" xmlns:a14="http://schemas.microsoft.com/office/drawing/2010/main" val="0"/>
+              </a:ext>
+            </a:extLst>
+          </a:blip>
+          <a:stretch>
+            <a:fillRect/>
+          </a:stretch>
+        </p:blipFill>
+        <p:spPr>
+          <a:xfrm>
+            <a:off x="1303619" y="2319883"/>
+            <a:ext cx="7344800" cy="3562847"/>
+          </a:xfrm>
+        </p:spPr>
+      </p:pic>
+    </p:spTree>
+    <p:extLst>
+      <p:ext uri="{BB962C8B-B14F-4D97-AF65-F5344CB8AC3E}">
+        <p14:creationId xmlns="" xmlns:p14="http://schemas.microsoft.com/office/powerpoint/2010/main" val="335942493"/>
+      </p:ext>
+    </p:extLst>
+  </p:cSld>
+  <p:clrMapOvr>
+    <a:masterClrMapping/>
+  </p:clrMapOvr>
+</p:sld>
+</file>
+
+<file path=ppt/slides/slide7.xml><?xml version="1.0" encoding="utf-8"?>
+<p:sld xmlns:a="http://schemas.openxmlformats.org/drawingml/2006/main" xmlns:r="http://schemas.openxmlformats.org/officeDocument/2006/relationships" xmlns:p="http://schemas.openxmlformats.org/presentationml/2006/main">
+  <p:cSld>
+    <p:spTree>
+      <p:nvGrpSpPr>
+        <p:cNvPr id="1" name=""/>
+        <p:cNvGrpSpPr/>
+        <p:nvPr/>
+      </p:nvGrpSpPr>
+      <p:grpSpPr>
+        <a:xfrm>
+          <a:off x="0" y="0"/>
+          <a:ext cx="0" cy="0"/>
+          <a:chOff x="0" y="0"/>
+          <a:chExt cx="0" cy="0"/>
+        </a:xfrm>
+      </p:grpSpPr>
+      <p:sp>
+        <p:nvSpPr>
+          <p:cNvPr id="2" name="Titre 1"/>
+          <p:cNvSpPr>
+            <a:spLocks noGrp="1"/>
+          </p:cNvSpPr>
+          <p:nvPr>
+            <p:ph type="title"/>
+          </p:nvPr>
+        </p:nvSpPr>
+        <p:spPr/>
+        <p:txBody>
+          <a:bodyPr/>
+          <a:lstStyle/>
+          <a:p>
+            <a:endParaRPr lang="ar-MA"/>
+          </a:p>
+        </p:txBody>
+      </p:sp>
+      <p:pic>
+        <p:nvPicPr>
+          <p:cNvPr id="6" name="Espace réservé du contenu 5" descr="2019-10-03_005211.png"/>
+          <p:cNvPicPr>
+            <a:picLocks noGrp="1" noChangeAspect="1"/>
+          </p:cNvPicPr>
+          <p:nvPr>
+            <p:ph idx="1"/>
+          </p:nvPr>
+        </p:nvPicPr>
+        <p:blipFill>
+          <a:blip r:embed="rId2"/>
+          <a:stretch>
+            <a:fillRect/>
+          </a:stretch>
+        </p:blipFill>
+        <p:spPr>
+          <a:xfrm>
+            <a:off x="677863" y="2449664"/>
+            <a:ext cx="8596312" cy="3303284"/>
+          </a:xfrm>
+        </p:spPr>
+      </p:pic>
+    </p:spTree>
+  </p:cSld>
+  <p:clrMapOvr>
+    <a:masterClrMapping/>
+  </p:clrMapOvr>
+</p:sld>
+</file>
+
+<file path=ppt/slides/slide8.xml><?xml version="1.0" encoding="utf-8"?>
+<p:sld xmlns:a="http://schemas.openxmlformats.org/drawingml/2006/main" xmlns:r="http://schemas.openxmlformats.org/officeDocument/2006/relationships" xmlns:p="http://schemas.openxmlformats.org/presentationml/2006/main">
+  <p:cSld>
+    <p:spTree>
+      <p:nvGrpSpPr>
+        <p:cNvPr id="1" name=""/>
+        <p:cNvGrpSpPr/>
+        <p:nvPr/>
+      </p:nvGrpSpPr>
+      <p:grpSpPr>
+        <a:xfrm>
+          <a:off x="0" y="0"/>
+          <a:ext cx="0" cy="0"/>
+          <a:chOff x="0" y="0"/>
+          <a:chExt cx="0" cy="0"/>
+        </a:xfrm>
+      </p:grpSpPr>
+      <p:sp>
+        <p:nvSpPr>
+          <p:cNvPr id="2" name="Titre 1"/>
+          <p:cNvSpPr>
+            <a:spLocks noGrp="1"/>
+          </p:cNvSpPr>
+          <p:nvPr>
+            <p:ph type="title"/>
+          </p:nvPr>
+        </p:nvSpPr>
+        <p:spPr/>
+        <p:txBody>
+          <a:bodyPr/>
+          <a:lstStyle/>
+          <a:p>
+            <a:r>
+              <a:rPr lang="fr-FR" dirty="0" smtClean="0"/>
+              <a:t>Fonction return et </a:t>
+            </a:r>
+            <a:r>
+              <a:rPr lang="fr-FR" dirty="0" err="1" smtClean="0"/>
+              <a:t>paramétre</a:t>
+            </a:r>
+            <a:endParaRPr lang="ar-MA" dirty="0"/>
+          </a:p>
+        </p:txBody>
+      </p:sp>
+      <p:pic>
+        <p:nvPicPr>
+          <p:cNvPr id="4" name="Espace réservé du contenu 3" descr="2222.png"/>
+          <p:cNvPicPr>
+            <a:picLocks noGrp="1" noChangeAspect="1"/>
+          </p:cNvPicPr>
+          <p:nvPr>
+            <p:ph idx="1"/>
+          </p:nvPr>
+        </p:nvPicPr>
+        <p:blipFill>
+          <a:blip r:embed="rId2"/>
+          <a:stretch>
+            <a:fillRect/>
+          </a:stretch>
+        </p:blipFill>
+        <p:spPr>
+          <a:xfrm>
+            <a:off x="677863" y="2449664"/>
+            <a:ext cx="8596312" cy="3303284"/>
+          </a:xfrm>
+        </p:spPr>
+      </p:pic>
     </p:spTree>
   </p:cSld>
   <p:clrMapOvr>
@@ -6807,7 +7022,7 @@
   <a:extraClrSchemeLst/>
   <a:extLst>
     <a:ext uri="{05A4C25C-085E-4340-85A3-A5531E510DB2}">
-      <thm15:themeFamily xmlns:thm15="http://schemas.microsoft.com/office/thememl/2012/main" xmlns="" name="Facet" id="{C0C680CD-088A-49FC-A102-D699147F32B2}" vid="{CFBC31BA-B70F-4F30-BCAA-4F3011E16C4D}"/>
+      <thm15:themeFamily xmlns="" xmlns:thm15="http://schemas.microsoft.com/office/thememl/2012/main" name="Facet" id="{C0C680CD-088A-49FC-A102-D699147F32B2}" vid="{CFBC31BA-B70F-4F30-BCAA-4F3011E16C4D}"/>
     </a:ext>
   </a:extLst>
 </a:theme>
